--- a/Layer 1/Site Drawing 2025.pptx
+++ b/Layer 1/Site Drawing 2025.pptx
@@ -6,6 +6,7 @@
   </p:sldMasterIdLst>
   <p:sldIdLst>
     <p:sldId id="264" r:id="rId2"/>
+    <p:sldId id="265" r:id="rId3"/>
   </p:sldIdLst>
   <p:sldSz cx="12192000" cy="6858000"/>
   <p:notesSz cx="6858000" cy="9144000"/>
@@ -6469,7 +6470,7 @@
           <a:p>
             <a:r>
               <a:rPr lang="en-IE" sz="1000" dirty="0"/>
-              <a:t>4 To CAT6</a:t>
+              <a:t>1 To CAT6</a:t>
             </a:r>
           </a:p>
         </p:txBody>
@@ -6510,7 +6511,7 @@
           <a:p>
             <a:r>
               <a:rPr lang="en-IE" sz="1000" dirty="0"/>
-              <a:t>7 To CAT6</a:t>
+              <a:t>1 To CAT6</a:t>
             </a:r>
           </a:p>
         </p:txBody>
@@ -8585,10 +8586,821 @@
           </a:p>
         </p:txBody>
       </p:sp>
+      <p:sp>
+        <p:nvSpPr>
+          <p:cNvPr id="113" name="Rectangle 112">
+            <a:extLst>
+              <a:ext uri="{FF2B5EF4-FFF2-40B4-BE49-F238E27FC236}">
+                <a16:creationId xmlns:a16="http://schemas.microsoft.com/office/drawing/2014/main" id="{D29C6448-F811-4D18-9BB7-12A58A6A6815}"/>
+              </a:ext>
+            </a:extLst>
+          </p:cNvPr>
+          <p:cNvSpPr/>
+          <p:nvPr/>
+        </p:nvSpPr>
+        <p:spPr>
+          <a:xfrm>
+            <a:off x="10153562" y="578963"/>
+            <a:ext cx="224063" cy="253624"/>
+          </a:xfrm>
+          <a:prstGeom prst="rect">
+            <a:avLst/>
+          </a:prstGeom>
+          <a:solidFill>
+            <a:schemeClr val="accent6"/>
+          </a:solidFill>
+        </p:spPr>
+        <p:style>
+          <a:lnRef idx="2">
+            <a:schemeClr val="accent2">
+              <a:shade val="50000"/>
+            </a:schemeClr>
+          </a:lnRef>
+          <a:fillRef idx="1">
+            <a:schemeClr val="accent2"/>
+          </a:fillRef>
+          <a:effectRef idx="0">
+            <a:schemeClr val="accent2"/>
+          </a:effectRef>
+          <a:fontRef idx="minor">
+            <a:schemeClr val="lt1"/>
+          </a:fontRef>
+        </p:style>
+        <p:txBody>
+          <a:bodyPr rtlCol="0" anchor="ctr"/>
+          <a:lstStyle/>
+          <a:p>
+            <a:pPr algn="ctr"/>
+            <a:r>
+              <a:rPr lang="en-IE" dirty="0"/>
+              <a:t>B</a:t>
+            </a:r>
+          </a:p>
+        </p:txBody>
+      </p:sp>
+      <p:sp>
+        <p:nvSpPr>
+          <p:cNvPr id="114" name="Rectangle 113">
+            <a:extLst>
+              <a:ext uri="{FF2B5EF4-FFF2-40B4-BE49-F238E27FC236}">
+                <a16:creationId xmlns:a16="http://schemas.microsoft.com/office/drawing/2014/main" id="{AC895CFB-47B5-41E4-AB98-3EE4F9382CED}"/>
+              </a:ext>
+            </a:extLst>
+          </p:cNvPr>
+          <p:cNvSpPr/>
+          <p:nvPr/>
+        </p:nvSpPr>
+        <p:spPr>
+          <a:xfrm>
+            <a:off x="10161207" y="4881652"/>
+            <a:ext cx="224063" cy="253624"/>
+          </a:xfrm>
+          <a:prstGeom prst="rect">
+            <a:avLst/>
+          </a:prstGeom>
+          <a:solidFill>
+            <a:schemeClr val="accent6"/>
+          </a:solidFill>
+        </p:spPr>
+        <p:style>
+          <a:lnRef idx="2">
+            <a:schemeClr val="accent2">
+              <a:shade val="50000"/>
+            </a:schemeClr>
+          </a:lnRef>
+          <a:fillRef idx="1">
+            <a:schemeClr val="accent2"/>
+          </a:fillRef>
+          <a:effectRef idx="0">
+            <a:schemeClr val="accent2"/>
+          </a:effectRef>
+          <a:fontRef idx="minor">
+            <a:schemeClr val="lt1"/>
+          </a:fontRef>
+        </p:style>
+        <p:txBody>
+          <a:bodyPr rtlCol="0" anchor="ctr"/>
+          <a:lstStyle/>
+          <a:p>
+            <a:pPr algn="ctr"/>
+            <a:r>
+              <a:rPr lang="en-IE" dirty="0"/>
+              <a:t>B</a:t>
+            </a:r>
+          </a:p>
+        </p:txBody>
+      </p:sp>
+      <p:sp>
+        <p:nvSpPr>
+          <p:cNvPr id="117" name="Rectangle 116">
+            <a:extLst>
+              <a:ext uri="{FF2B5EF4-FFF2-40B4-BE49-F238E27FC236}">
+                <a16:creationId xmlns:a16="http://schemas.microsoft.com/office/drawing/2014/main" id="{533C8EB4-1DBA-49FA-A6EA-B6D534355338}"/>
+              </a:ext>
+            </a:extLst>
+          </p:cNvPr>
+          <p:cNvSpPr/>
+          <p:nvPr/>
+        </p:nvSpPr>
+        <p:spPr>
+          <a:xfrm>
+            <a:off x="9395913" y="3834924"/>
+            <a:ext cx="224063" cy="253624"/>
+          </a:xfrm>
+          <a:prstGeom prst="rect">
+            <a:avLst/>
+          </a:prstGeom>
+          <a:solidFill>
+            <a:schemeClr val="accent6"/>
+          </a:solidFill>
+        </p:spPr>
+        <p:style>
+          <a:lnRef idx="2">
+            <a:schemeClr val="accent2">
+              <a:shade val="50000"/>
+            </a:schemeClr>
+          </a:lnRef>
+          <a:fillRef idx="1">
+            <a:schemeClr val="accent2"/>
+          </a:fillRef>
+          <a:effectRef idx="0">
+            <a:schemeClr val="accent2"/>
+          </a:effectRef>
+          <a:fontRef idx="minor">
+            <a:schemeClr val="lt1"/>
+          </a:fontRef>
+        </p:style>
+        <p:txBody>
+          <a:bodyPr rtlCol="0" anchor="ctr"/>
+          <a:lstStyle/>
+          <a:p>
+            <a:pPr algn="ctr"/>
+            <a:r>
+              <a:rPr lang="en-IE" dirty="0"/>
+              <a:t>C</a:t>
+            </a:r>
+          </a:p>
+        </p:txBody>
+      </p:sp>
+      <p:sp>
+        <p:nvSpPr>
+          <p:cNvPr id="118" name="Rectangle 117">
+            <a:extLst>
+              <a:ext uri="{FF2B5EF4-FFF2-40B4-BE49-F238E27FC236}">
+                <a16:creationId xmlns:a16="http://schemas.microsoft.com/office/drawing/2014/main" id="{1E2F9CD1-BC1A-4913-BFC8-D0892623DA49}"/>
+              </a:ext>
+            </a:extLst>
+          </p:cNvPr>
+          <p:cNvSpPr/>
+          <p:nvPr/>
+        </p:nvSpPr>
+        <p:spPr>
+          <a:xfrm>
+            <a:off x="9379819" y="604594"/>
+            <a:ext cx="224063" cy="253624"/>
+          </a:xfrm>
+          <a:prstGeom prst="rect">
+            <a:avLst/>
+          </a:prstGeom>
+          <a:solidFill>
+            <a:schemeClr val="accent6"/>
+          </a:solidFill>
+        </p:spPr>
+        <p:style>
+          <a:lnRef idx="2">
+            <a:schemeClr val="accent2">
+              <a:shade val="50000"/>
+            </a:schemeClr>
+          </a:lnRef>
+          <a:fillRef idx="1">
+            <a:schemeClr val="accent2"/>
+          </a:fillRef>
+          <a:effectRef idx="0">
+            <a:schemeClr val="accent2"/>
+          </a:effectRef>
+          <a:fontRef idx="minor">
+            <a:schemeClr val="lt1"/>
+          </a:fontRef>
+        </p:style>
+        <p:txBody>
+          <a:bodyPr rtlCol="0" anchor="ctr"/>
+          <a:lstStyle/>
+          <a:p>
+            <a:pPr algn="ctr"/>
+            <a:r>
+              <a:rPr lang="en-IE" dirty="0"/>
+              <a:t>C</a:t>
+            </a:r>
+          </a:p>
+        </p:txBody>
+      </p:sp>
+      <p:sp>
+        <p:nvSpPr>
+          <p:cNvPr id="119" name="Rectangle 118">
+            <a:extLst>
+              <a:ext uri="{FF2B5EF4-FFF2-40B4-BE49-F238E27FC236}">
+                <a16:creationId xmlns:a16="http://schemas.microsoft.com/office/drawing/2014/main" id="{DA34DF50-1EC7-4E77-934C-4CF6221B0076}"/>
+              </a:ext>
+            </a:extLst>
+          </p:cNvPr>
+          <p:cNvSpPr/>
+          <p:nvPr/>
+        </p:nvSpPr>
+        <p:spPr>
+          <a:xfrm>
+            <a:off x="10170019" y="4202413"/>
+            <a:ext cx="224063" cy="253624"/>
+          </a:xfrm>
+          <a:prstGeom prst="rect">
+            <a:avLst/>
+          </a:prstGeom>
+          <a:solidFill>
+            <a:schemeClr val="accent6"/>
+          </a:solidFill>
+        </p:spPr>
+        <p:style>
+          <a:lnRef idx="2">
+            <a:schemeClr val="accent2">
+              <a:shade val="50000"/>
+            </a:schemeClr>
+          </a:lnRef>
+          <a:fillRef idx="1">
+            <a:schemeClr val="accent2"/>
+          </a:fillRef>
+          <a:effectRef idx="0">
+            <a:schemeClr val="accent2"/>
+          </a:effectRef>
+          <a:fontRef idx="minor">
+            <a:schemeClr val="lt1"/>
+          </a:fontRef>
+        </p:style>
+        <p:txBody>
+          <a:bodyPr rtlCol="0" anchor="ctr"/>
+          <a:lstStyle/>
+          <a:p>
+            <a:pPr algn="ctr"/>
+            <a:r>
+              <a:rPr lang="en-IE" dirty="0"/>
+              <a:t>B</a:t>
+            </a:r>
+          </a:p>
+        </p:txBody>
+      </p:sp>
+      <p:sp>
+        <p:nvSpPr>
+          <p:cNvPr id="120" name="Rectangle 119">
+            <a:extLst>
+              <a:ext uri="{FF2B5EF4-FFF2-40B4-BE49-F238E27FC236}">
+                <a16:creationId xmlns:a16="http://schemas.microsoft.com/office/drawing/2014/main" id="{1D05474E-44BA-44CC-A299-3858E7901E49}"/>
+              </a:ext>
+            </a:extLst>
+          </p:cNvPr>
+          <p:cNvSpPr/>
+          <p:nvPr/>
+        </p:nvSpPr>
+        <p:spPr>
+          <a:xfrm>
+            <a:off x="5396682" y="2036864"/>
+            <a:ext cx="224063" cy="253624"/>
+          </a:xfrm>
+          <a:prstGeom prst="rect">
+            <a:avLst/>
+          </a:prstGeom>
+          <a:solidFill>
+            <a:schemeClr val="accent6"/>
+          </a:solidFill>
+        </p:spPr>
+        <p:style>
+          <a:lnRef idx="2">
+            <a:schemeClr val="accent2">
+              <a:shade val="50000"/>
+            </a:schemeClr>
+          </a:lnRef>
+          <a:fillRef idx="1">
+            <a:schemeClr val="accent2"/>
+          </a:fillRef>
+          <a:effectRef idx="0">
+            <a:schemeClr val="accent2"/>
+          </a:effectRef>
+          <a:fontRef idx="minor">
+            <a:schemeClr val="lt1"/>
+          </a:fontRef>
+        </p:style>
+        <p:txBody>
+          <a:bodyPr rtlCol="0" anchor="ctr"/>
+          <a:lstStyle/>
+          <a:p>
+            <a:pPr algn="ctr"/>
+            <a:r>
+              <a:rPr lang="en-IE" dirty="0"/>
+              <a:t>B</a:t>
+            </a:r>
+          </a:p>
+        </p:txBody>
+      </p:sp>
+      <p:sp>
+        <p:nvSpPr>
+          <p:cNvPr id="121" name="Rectangle 120">
+            <a:extLst>
+              <a:ext uri="{FF2B5EF4-FFF2-40B4-BE49-F238E27FC236}">
+                <a16:creationId xmlns:a16="http://schemas.microsoft.com/office/drawing/2014/main" id="{CE880560-B055-4B3B-980B-3EFE2E10CF3C}"/>
+              </a:ext>
+            </a:extLst>
+          </p:cNvPr>
+          <p:cNvSpPr/>
+          <p:nvPr/>
+        </p:nvSpPr>
+        <p:spPr>
+          <a:xfrm>
+            <a:off x="10156858" y="985117"/>
+            <a:ext cx="224063" cy="253624"/>
+          </a:xfrm>
+          <a:prstGeom prst="rect">
+            <a:avLst/>
+          </a:prstGeom>
+          <a:solidFill>
+            <a:schemeClr val="accent6"/>
+          </a:solidFill>
+        </p:spPr>
+        <p:style>
+          <a:lnRef idx="2">
+            <a:schemeClr val="accent2">
+              <a:shade val="50000"/>
+            </a:schemeClr>
+          </a:lnRef>
+          <a:fillRef idx="1">
+            <a:schemeClr val="accent2"/>
+          </a:fillRef>
+          <a:effectRef idx="0">
+            <a:schemeClr val="accent2"/>
+          </a:effectRef>
+          <a:fontRef idx="minor">
+            <a:schemeClr val="lt1"/>
+          </a:fontRef>
+        </p:style>
+        <p:txBody>
+          <a:bodyPr rtlCol="0" anchor="ctr"/>
+          <a:lstStyle/>
+          <a:p>
+            <a:pPr algn="ctr"/>
+            <a:r>
+              <a:rPr lang="en-IE" dirty="0"/>
+              <a:t>D</a:t>
+            </a:r>
+          </a:p>
+        </p:txBody>
+      </p:sp>
     </p:spTree>
     <p:extLst>
       <p:ext uri="{BB962C8B-B14F-4D97-AF65-F5344CB8AC3E}">
         <p14:creationId xmlns:p14="http://schemas.microsoft.com/office/powerpoint/2010/main" val="2882036186"/>
+      </p:ext>
+    </p:extLst>
+  </p:cSld>
+  <p:clrMapOvr>
+    <a:masterClrMapping/>
+  </p:clrMapOvr>
+</p:sld>
+</file>
+
+<file path=ppt/slides/slide2.xml><?xml version="1.0" encoding="utf-8"?>
+<p:sld xmlns:a="http://schemas.openxmlformats.org/drawingml/2006/main" xmlns:r="http://schemas.openxmlformats.org/officeDocument/2006/relationships" xmlns:p="http://schemas.openxmlformats.org/presentationml/2006/main">
+  <p:cSld>
+    <p:spTree>
+      <p:nvGrpSpPr>
+        <p:cNvPr id="1" name=""/>
+        <p:cNvGrpSpPr/>
+        <p:nvPr/>
+      </p:nvGrpSpPr>
+      <p:grpSpPr>
+        <a:xfrm>
+          <a:off x="0" y="0"/>
+          <a:ext cx="0" cy="0"/>
+          <a:chOff x="0" y="0"/>
+          <a:chExt cx="0" cy="0"/>
+        </a:xfrm>
+      </p:grpSpPr>
+      <p:sp>
+        <p:nvSpPr>
+          <p:cNvPr id="2" name="TextBox 1">
+            <a:extLst>
+              <a:ext uri="{FF2B5EF4-FFF2-40B4-BE49-F238E27FC236}">
+                <a16:creationId xmlns:a16="http://schemas.microsoft.com/office/drawing/2014/main" id="{E166B286-4238-4E6F-B006-A2D1CFC8A587}"/>
+              </a:ext>
+            </a:extLst>
+          </p:cNvPr>
+          <p:cNvSpPr txBox="1"/>
+          <p:nvPr/>
+        </p:nvSpPr>
+        <p:spPr>
+          <a:xfrm>
+            <a:off x="4640103" y="159391"/>
+            <a:ext cx="744499" cy="369332"/>
+          </a:xfrm>
+          <a:prstGeom prst="rect">
+            <a:avLst/>
+          </a:prstGeom>
+          <a:noFill/>
+        </p:spPr>
+        <p:txBody>
+          <a:bodyPr wrap="none" rtlCol="0">
+            <a:spAutoFit/>
+          </a:bodyPr>
+          <a:lstStyle/>
+          <a:p>
+            <a:pPr algn="ctr"/>
+            <a:r>
+              <a:rPr lang="en-IE" b="1" dirty="0"/>
+              <a:t>Notes</a:t>
+            </a:r>
+          </a:p>
+        </p:txBody>
+      </p:sp>
+      <p:sp>
+        <p:nvSpPr>
+          <p:cNvPr id="3" name="TextBox 2">
+            <a:extLst>
+              <a:ext uri="{FF2B5EF4-FFF2-40B4-BE49-F238E27FC236}">
+                <a16:creationId xmlns:a16="http://schemas.microsoft.com/office/drawing/2014/main" id="{D6031835-4AB9-4B65-AD40-55AE0670DD08}"/>
+              </a:ext>
+            </a:extLst>
+          </p:cNvPr>
+          <p:cNvSpPr txBox="1"/>
+          <p:nvPr/>
+        </p:nvSpPr>
+        <p:spPr>
+          <a:xfrm>
+            <a:off x="360727" y="528723"/>
+            <a:ext cx="8558753" cy="6355586"/>
+          </a:xfrm>
+          <a:prstGeom prst="rect">
+            <a:avLst/>
+          </a:prstGeom>
+          <a:noFill/>
+        </p:spPr>
+        <p:txBody>
+          <a:bodyPr wrap="none" rtlCol="0">
+            <a:spAutoFit/>
+          </a:bodyPr>
+          <a:lstStyle/>
+          <a:p>
+            <a:r>
+              <a:rPr lang="en-IE" sz="1100" b="1" dirty="0"/>
+              <a:t>1. Cabling and Connectivity</a:t>
+            </a:r>
+          </a:p>
+          <a:p>
+            <a:endParaRPr lang="en-US" sz="1100" b="1" dirty="0"/>
+          </a:p>
+          <a:p>
+            <a:r>
+              <a:rPr lang="en-US" sz="1100" b="1" dirty="0"/>
+              <a:t>CAT6 Cabling</a:t>
+            </a:r>
+          </a:p>
+          <a:p>
+            <a:pPr>
+              <a:buFont typeface="Arial" panose="020B0604020202020204" pitchFamily="34" charset="0"/>
+              <a:buChar char="•"/>
+            </a:pPr>
+            <a:r>
+              <a:rPr lang="en-US" sz="1100" b="1" dirty="0"/>
+              <a:t>Purpose</a:t>
+            </a:r>
+            <a:r>
+              <a:rPr lang="en-US" sz="1100" dirty="0"/>
+              <a:t>:</a:t>
+            </a:r>
+          </a:p>
+          <a:p>
+            <a:pPr marL="742950" lvl="1" indent="-285750">
+              <a:buFont typeface="Arial" panose="020B0604020202020204" pitchFamily="34" charset="0"/>
+              <a:buChar char="•"/>
+            </a:pPr>
+            <a:r>
+              <a:rPr lang="en-US" sz="1100" dirty="0"/>
+              <a:t>CAT6 cables are capable of handling data rates up to 1 Gbps (or higher for shorter distances) with reduced crosstalk and interference.</a:t>
+            </a:r>
+          </a:p>
+          <a:p>
+            <a:pPr marL="742950" lvl="1" indent="-285750">
+              <a:buFont typeface="Arial" panose="020B0604020202020204" pitchFamily="34" charset="0"/>
+              <a:buChar char="•"/>
+            </a:pPr>
+            <a:r>
+              <a:rPr lang="en-US" sz="1100" dirty="0"/>
+              <a:t>They are suited for supporting modern network needs, including:</a:t>
+            </a:r>
+          </a:p>
+          <a:p>
+            <a:pPr marL="1143000" lvl="2" indent="-228600">
+              <a:buFont typeface="Arial" panose="020B0604020202020204" pitchFamily="34" charset="0"/>
+              <a:buChar char="•"/>
+            </a:pPr>
+            <a:r>
+              <a:rPr lang="en-US" sz="1100" dirty="0"/>
+              <a:t>Internet access</a:t>
+            </a:r>
+          </a:p>
+          <a:p>
+            <a:pPr marL="1143000" lvl="2" indent="-228600">
+              <a:buFont typeface="Arial" panose="020B0604020202020204" pitchFamily="34" charset="0"/>
+              <a:buChar char="•"/>
+            </a:pPr>
+            <a:r>
+              <a:rPr lang="en-US" sz="1100" dirty="0"/>
+              <a:t>Security cameras</a:t>
+            </a:r>
+          </a:p>
+          <a:p>
+            <a:pPr marL="1143000" lvl="2" indent="-228600">
+              <a:buFont typeface="Arial" panose="020B0604020202020204" pitchFamily="34" charset="0"/>
+              <a:buChar char="•"/>
+            </a:pPr>
+            <a:r>
+              <a:rPr lang="en-US" sz="1100" dirty="0"/>
+              <a:t>Wi-Fi access points</a:t>
+            </a:r>
+          </a:p>
+          <a:p>
+            <a:pPr marL="1143000" lvl="2" indent="-228600">
+              <a:buFont typeface="Arial" panose="020B0604020202020204" pitchFamily="34" charset="0"/>
+              <a:buChar char="•"/>
+            </a:pPr>
+            <a:r>
+              <a:rPr lang="en-US" sz="1100" dirty="0"/>
+              <a:t>General office devices</a:t>
+            </a:r>
+          </a:p>
+          <a:p>
+            <a:pPr>
+              <a:buFont typeface="Arial" panose="020B0604020202020204" pitchFamily="34" charset="0"/>
+              <a:buChar char="•"/>
+            </a:pPr>
+            <a:r>
+              <a:rPr lang="en-US" sz="1100" b="1" dirty="0"/>
+              <a:t>Specific Use Cases</a:t>
+            </a:r>
+            <a:r>
+              <a:rPr lang="en-US" sz="1100" dirty="0"/>
+              <a:t>:</a:t>
+            </a:r>
+          </a:p>
+          <a:p>
+            <a:pPr marL="742950" lvl="1" indent="-285750">
+              <a:buFont typeface="Arial" panose="020B0604020202020204" pitchFamily="34" charset="0"/>
+              <a:buChar char="•"/>
+            </a:pPr>
+            <a:r>
+              <a:rPr lang="en-US" sz="1100" b="1" dirty="0"/>
+              <a:t>Wi-Fi Access Points</a:t>
+            </a:r>
+            <a:r>
+              <a:rPr lang="en-US" sz="1100" dirty="0"/>
+              <a:t>: 1 CAT6 points designated, ensuring connectivity for wireless devices.</a:t>
+            </a:r>
+          </a:p>
+          <a:p>
+            <a:pPr marL="742950" lvl="1" indent="-285750">
+              <a:buFont typeface="Arial" panose="020B0604020202020204" pitchFamily="34" charset="0"/>
+              <a:buChar char="•"/>
+            </a:pPr>
+            <a:r>
+              <a:rPr lang="en-US" sz="1100" b="1" dirty="0"/>
+              <a:t>Security Cameras</a:t>
+            </a:r>
+            <a:r>
+              <a:rPr lang="en-US" sz="1100" dirty="0"/>
+              <a:t>: 1 CAT6 points allocated, supporting wired camera systems for surveillance.</a:t>
+            </a:r>
+          </a:p>
+          <a:p>
+            <a:pPr marL="742950" lvl="1" indent="-285750">
+              <a:buFont typeface="Arial" panose="020B0604020202020204" pitchFamily="34" charset="0"/>
+              <a:buChar char="•"/>
+            </a:pPr>
+            <a:r>
+              <a:rPr lang="en-US" sz="1100" b="1" dirty="0"/>
+              <a:t>Seating Areas</a:t>
+            </a:r>
+            <a:r>
+              <a:rPr lang="en-US" sz="1100" dirty="0"/>
+              <a:t>:</a:t>
+            </a:r>
+          </a:p>
+          <a:p>
+            <a:pPr marL="1143000" lvl="2" indent="-228600">
+              <a:buFont typeface="Arial" panose="020B0604020202020204" pitchFamily="34" charset="0"/>
+              <a:buChar char="•"/>
+            </a:pPr>
+            <a:r>
+              <a:rPr lang="en-US" sz="1100" b="1" dirty="0"/>
+              <a:t>8-Seater Configuration</a:t>
+            </a:r>
+            <a:r>
+              <a:rPr lang="en-US" sz="1100" dirty="0"/>
+              <a:t>: 20 CAT6 points per area.</a:t>
+            </a:r>
+          </a:p>
+          <a:p>
+            <a:pPr marL="1143000" lvl="2" indent="-228600">
+              <a:buFont typeface="Arial" panose="020B0604020202020204" pitchFamily="34" charset="0"/>
+              <a:buChar char="•"/>
+            </a:pPr>
+            <a:r>
+              <a:rPr lang="en-US" sz="1100" b="1" dirty="0"/>
+              <a:t>1-Seater Configuration</a:t>
+            </a:r>
+            <a:r>
+              <a:rPr lang="en-US" sz="1100" dirty="0"/>
+              <a:t>: 2 CAT6 points per area.</a:t>
+            </a:r>
+          </a:p>
+          <a:p>
+            <a:pPr>
+              <a:buFont typeface="Arial" panose="020B0604020202020204" pitchFamily="34" charset="0"/>
+              <a:buChar char="•"/>
+            </a:pPr>
+            <a:r>
+              <a:rPr lang="en-US" sz="1100" b="1" dirty="0"/>
+              <a:t>Scalability</a:t>
+            </a:r>
+            <a:r>
+              <a:rPr lang="en-US" sz="1100" dirty="0"/>
+              <a:t>: This design provides flexibility for future network expansion or additional devices.</a:t>
+            </a:r>
+          </a:p>
+          <a:p>
+            <a:pPr>
+              <a:buFont typeface="Arial" panose="020B0604020202020204" pitchFamily="34" charset="0"/>
+              <a:buChar char="•"/>
+            </a:pPr>
+            <a:endParaRPr lang="en-US" sz="1100" dirty="0"/>
+          </a:p>
+          <a:p>
+            <a:r>
+              <a:rPr lang="en-US" sz="1100" b="1" dirty="0"/>
+              <a:t>2. </a:t>
+            </a:r>
+            <a:r>
+              <a:rPr lang="en-IE" sz="1100" b="1" dirty="0"/>
+              <a:t>Power and Data Access</a:t>
+            </a:r>
+          </a:p>
+          <a:p>
+            <a:endParaRPr lang="en-IE" sz="1100" b="1" dirty="0"/>
+          </a:p>
+          <a:p>
+            <a:pPr>
+              <a:buFont typeface="Arial" panose="020B0604020202020204" pitchFamily="34" charset="0"/>
+              <a:buChar char="•"/>
+            </a:pPr>
+            <a:r>
+              <a:rPr lang="en-US" sz="1100" b="1" dirty="0"/>
+              <a:t>Sockets and Points</a:t>
+            </a:r>
+            <a:r>
+              <a:rPr lang="en-US" sz="1100" dirty="0"/>
+              <a:t>:</a:t>
+            </a:r>
+          </a:p>
+          <a:p>
+            <a:pPr marL="742950" lvl="1" indent="-285750">
+              <a:buFont typeface="Arial" panose="020B0604020202020204" pitchFamily="34" charset="0"/>
+              <a:buChar char="•"/>
+            </a:pPr>
+            <a:r>
+              <a:rPr lang="en-US" sz="1100" dirty="0"/>
+              <a:t>Well-distributed power (13A sockets) and data points (CAT6) for individual and group seating arrangements.</a:t>
+            </a:r>
+          </a:p>
+          <a:p>
+            <a:pPr marL="742950" lvl="1" indent="-285750">
+              <a:buFont typeface="Arial" panose="020B0604020202020204" pitchFamily="34" charset="0"/>
+              <a:buChar char="•"/>
+            </a:pPr>
+            <a:r>
+              <a:rPr lang="en-US" sz="1100" dirty="0"/>
+              <a:t>Supports wired connections for high-bandwidth applications, such as:</a:t>
+            </a:r>
+          </a:p>
+          <a:p>
+            <a:pPr marL="1143000" lvl="2" indent="-228600">
+              <a:buFont typeface="Arial" panose="020B0604020202020204" pitchFamily="34" charset="0"/>
+              <a:buChar char="•"/>
+            </a:pPr>
+            <a:r>
+              <a:rPr lang="en-US" sz="1100" dirty="0"/>
+              <a:t>Workstations</a:t>
+            </a:r>
+          </a:p>
+          <a:p>
+            <a:pPr marL="1143000" lvl="2" indent="-228600">
+              <a:buFont typeface="Arial" panose="020B0604020202020204" pitchFamily="34" charset="0"/>
+              <a:buChar char="•"/>
+            </a:pPr>
+            <a:r>
+              <a:rPr lang="en-US" sz="1100" dirty="0"/>
+              <a:t>High-definition video conferencing</a:t>
+            </a:r>
+          </a:p>
+          <a:p>
+            <a:pPr marL="1143000" lvl="2" indent="-228600">
+              <a:buFont typeface="Arial" panose="020B0604020202020204" pitchFamily="34" charset="0"/>
+              <a:buChar char="•"/>
+            </a:pPr>
+            <a:r>
+              <a:rPr lang="en-US" sz="1100" dirty="0"/>
+              <a:t>Large file transfers</a:t>
+            </a:r>
+          </a:p>
+          <a:p>
+            <a:pPr lvl="2"/>
+            <a:endParaRPr lang="en-US" sz="1100" dirty="0"/>
+          </a:p>
+          <a:p>
+            <a:r>
+              <a:rPr lang="en-US" sz="1100" b="1" dirty="0"/>
+              <a:t>3. Equipment</a:t>
+            </a:r>
+          </a:p>
+          <a:p>
+            <a:endParaRPr lang="en-US" sz="1100" b="1" dirty="0"/>
+          </a:p>
+          <a:p>
+            <a:pPr>
+              <a:buFont typeface="Arial" panose="020B0604020202020204" pitchFamily="34" charset="0"/>
+              <a:buChar char="•"/>
+            </a:pPr>
+            <a:r>
+              <a:rPr lang="en-US" sz="1100" b="1" dirty="0"/>
+              <a:t>Wi-Fi Coverage</a:t>
+            </a:r>
+            <a:r>
+              <a:rPr lang="en-US" sz="1100" dirty="0"/>
+              <a:t>:</a:t>
+            </a:r>
+          </a:p>
+          <a:p>
+            <a:pPr marL="742950" lvl="1" indent="-285750">
+              <a:buFont typeface="Arial" panose="020B0604020202020204" pitchFamily="34" charset="0"/>
+              <a:buChar char="•"/>
+            </a:pPr>
+            <a:r>
+              <a:rPr lang="en-US" sz="1100" dirty="0"/>
+              <a:t>The inclusion of Wi-Fi points ensures connectivity for mobile devices and laptops.</a:t>
+            </a:r>
+          </a:p>
+          <a:p>
+            <a:pPr marL="742950" lvl="1" indent="-285750">
+              <a:buFont typeface="Arial" panose="020B0604020202020204" pitchFamily="34" charset="0"/>
+              <a:buChar char="•"/>
+            </a:pPr>
+            <a:r>
+              <a:rPr lang="en-US" sz="1100" dirty="0"/>
+              <a:t>Placement and quantity designed to eliminate dead zones.</a:t>
+            </a:r>
+          </a:p>
+          <a:p>
+            <a:pPr>
+              <a:buFont typeface="Arial" panose="020B0604020202020204" pitchFamily="34" charset="0"/>
+              <a:buChar char="•"/>
+            </a:pPr>
+            <a:r>
+              <a:rPr lang="en-US" sz="1100" b="1" dirty="0"/>
+              <a:t>Security System</a:t>
+            </a:r>
+            <a:r>
+              <a:rPr lang="en-US" sz="1100" dirty="0"/>
+              <a:t>:</a:t>
+            </a:r>
+          </a:p>
+          <a:p>
+            <a:pPr marL="742950" lvl="1" indent="-285750">
+              <a:buFont typeface="Arial" panose="020B0604020202020204" pitchFamily="34" charset="0"/>
+              <a:buChar char="•"/>
+            </a:pPr>
+            <a:r>
+              <a:rPr lang="en-US" sz="1100" dirty="0"/>
+              <a:t>Cameras integrated into the network ensure efficient monitoring and remote access capabilities.</a:t>
+            </a:r>
+          </a:p>
+          <a:p>
+            <a:pPr lvl="2"/>
+            <a:endParaRPr lang="en-US" sz="1100" dirty="0"/>
+          </a:p>
+          <a:p>
+            <a:endParaRPr lang="en-IE" sz="1100" b="1" dirty="0"/>
+          </a:p>
+          <a:p>
+            <a:endParaRPr lang="en-US" sz="1100" dirty="0"/>
+          </a:p>
+        </p:txBody>
+      </p:sp>
+    </p:spTree>
+    <p:extLst>
+      <p:ext uri="{BB962C8B-B14F-4D97-AF65-F5344CB8AC3E}">
+        <p14:creationId xmlns:p14="http://schemas.microsoft.com/office/powerpoint/2010/main" val="4196677829"/>
       </p:ext>
     </p:extLst>
   </p:cSld>

--- a/Layer 1/Site Drawing 2025.pptx
+++ b/Layer 1/Site Drawing 2025.pptx
@@ -273,7 +273,7 @@
           <a:p>
             <a:fld id="{2E4EF297-A89D-4298-82FE-263B368A126C}" type="datetimeFigureOut">
               <a:rPr lang="en-IE" smtClean="0"/>
-              <a:t>26/01/2025</a:t>
+              <a:t>03/02/2025</a:t>
             </a:fld>
             <a:endParaRPr lang="en-IE"/>
           </a:p>
@@ -473,7 +473,7 @@
           <a:p>
             <a:fld id="{2E4EF297-A89D-4298-82FE-263B368A126C}" type="datetimeFigureOut">
               <a:rPr lang="en-IE" smtClean="0"/>
-              <a:t>26/01/2025</a:t>
+              <a:t>03/02/2025</a:t>
             </a:fld>
             <a:endParaRPr lang="en-IE"/>
           </a:p>
@@ -683,7 +683,7 @@
           <a:p>
             <a:fld id="{2E4EF297-A89D-4298-82FE-263B368A126C}" type="datetimeFigureOut">
               <a:rPr lang="en-IE" smtClean="0"/>
-              <a:t>26/01/2025</a:t>
+              <a:t>03/02/2025</a:t>
             </a:fld>
             <a:endParaRPr lang="en-IE"/>
           </a:p>
@@ -883,7 +883,7 @@
           <a:p>
             <a:fld id="{2E4EF297-A89D-4298-82FE-263B368A126C}" type="datetimeFigureOut">
               <a:rPr lang="en-IE" smtClean="0"/>
-              <a:t>26/01/2025</a:t>
+              <a:t>03/02/2025</a:t>
             </a:fld>
             <a:endParaRPr lang="en-IE"/>
           </a:p>
@@ -1159,7 +1159,7 @@
           <a:p>
             <a:fld id="{2E4EF297-A89D-4298-82FE-263B368A126C}" type="datetimeFigureOut">
               <a:rPr lang="en-IE" smtClean="0"/>
-              <a:t>26/01/2025</a:t>
+              <a:t>03/02/2025</a:t>
             </a:fld>
             <a:endParaRPr lang="en-IE"/>
           </a:p>
@@ -1427,7 +1427,7 @@
           <a:p>
             <a:fld id="{2E4EF297-A89D-4298-82FE-263B368A126C}" type="datetimeFigureOut">
               <a:rPr lang="en-IE" smtClean="0"/>
-              <a:t>26/01/2025</a:t>
+              <a:t>03/02/2025</a:t>
             </a:fld>
             <a:endParaRPr lang="en-IE"/>
           </a:p>
@@ -1842,7 +1842,7 @@
           <a:p>
             <a:fld id="{2E4EF297-A89D-4298-82FE-263B368A126C}" type="datetimeFigureOut">
               <a:rPr lang="en-IE" smtClean="0"/>
-              <a:t>26/01/2025</a:t>
+              <a:t>03/02/2025</a:t>
             </a:fld>
             <a:endParaRPr lang="en-IE"/>
           </a:p>
@@ -1984,7 +1984,7 @@
           <a:p>
             <a:fld id="{2E4EF297-A89D-4298-82FE-263B368A126C}" type="datetimeFigureOut">
               <a:rPr lang="en-IE" smtClean="0"/>
-              <a:t>26/01/2025</a:t>
+              <a:t>03/02/2025</a:t>
             </a:fld>
             <a:endParaRPr lang="en-IE"/>
           </a:p>
@@ -2097,7 +2097,7 @@
           <a:p>
             <a:fld id="{2E4EF297-A89D-4298-82FE-263B368A126C}" type="datetimeFigureOut">
               <a:rPr lang="en-IE" smtClean="0"/>
-              <a:t>26/01/2025</a:t>
+              <a:t>03/02/2025</a:t>
             </a:fld>
             <a:endParaRPr lang="en-IE"/>
           </a:p>
@@ -2410,7 +2410,7 @@
           <a:p>
             <a:fld id="{2E4EF297-A89D-4298-82FE-263B368A126C}" type="datetimeFigureOut">
               <a:rPr lang="en-IE" smtClean="0"/>
-              <a:t>26/01/2025</a:t>
+              <a:t>03/02/2025</a:t>
             </a:fld>
             <a:endParaRPr lang="en-IE"/>
           </a:p>
@@ -2699,7 +2699,7 @@
           <a:p>
             <a:fld id="{2E4EF297-A89D-4298-82FE-263B368A126C}" type="datetimeFigureOut">
               <a:rPr lang="en-IE" smtClean="0"/>
-              <a:t>26/01/2025</a:t>
+              <a:t>03/02/2025</a:t>
             </a:fld>
             <a:endParaRPr lang="en-IE"/>
           </a:p>
@@ -2942,7 +2942,7 @@
           <a:p>
             <a:fld id="{2E4EF297-A89D-4298-82FE-263B368A126C}" type="datetimeFigureOut">
               <a:rPr lang="en-IE" smtClean="0"/>
-              <a:t>26/01/2025</a:t>
+              <a:t>03/02/2025</a:t>
             </a:fld>
             <a:endParaRPr lang="en-IE"/>
           </a:p>
@@ -6986,58 +6986,6 @@
       </p:sp>
       <p:sp>
         <p:nvSpPr>
-          <p:cNvPr id="96" name="Rectangle 95">
-            <a:extLst>
-              <a:ext uri="{FF2B5EF4-FFF2-40B4-BE49-F238E27FC236}">
-                <a16:creationId xmlns:a16="http://schemas.microsoft.com/office/drawing/2014/main" id="{10882AA2-5879-4B3B-803B-E3B9B32858A4}"/>
-              </a:ext>
-            </a:extLst>
-          </p:cNvPr>
-          <p:cNvSpPr/>
-          <p:nvPr/>
-        </p:nvSpPr>
-        <p:spPr>
-          <a:xfrm>
-            <a:off x="10170019" y="3829728"/>
-            <a:ext cx="224063" cy="253624"/>
-          </a:xfrm>
-          <a:prstGeom prst="rect">
-            <a:avLst/>
-          </a:prstGeom>
-          <a:solidFill>
-            <a:schemeClr val="accent6"/>
-          </a:solidFill>
-        </p:spPr>
-        <p:style>
-          <a:lnRef idx="2">
-            <a:schemeClr val="accent2">
-              <a:shade val="50000"/>
-            </a:schemeClr>
-          </a:lnRef>
-          <a:fillRef idx="1">
-            <a:schemeClr val="accent2"/>
-          </a:fillRef>
-          <a:effectRef idx="0">
-            <a:schemeClr val="accent2"/>
-          </a:effectRef>
-          <a:fontRef idx="minor">
-            <a:schemeClr val="lt1"/>
-          </a:fontRef>
-        </p:style>
-        <p:txBody>
-          <a:bodyPr rtlCol="0" anchor="ctr"/>
-          <a:lstStyle/>
-          <a:p>
-            <a:pPr algn="ctr"/>
-            <a:r>
-              <a:rPr lang="en-IE" dirty="0"/>
-              <a:t>D</a:t>
-            </a:r>
-          </a:p>
-        </p:txBody>
-      </p:sp>
-      <p:sp>
-        <p:nvSpPr>
           <p:cNvPr id="97" name="Rectangle 96">
             <a:extLst>
               <a:ext uri="{FF2B5EF4-FFF2-40B4-BE49-F238E27FC236}">
@@ -8588,10 +8536,10 @@
       </p:sp>
       <p:sp>
         <p:nvSpPr>
-          <p:cNvPr id="113" name="Rectangle 112">
-            <a:extLst>
-              <a:ext uri="{FF2B5EF4-FFF2-40B4-BE49-F238E27FC236}">
-                <a16:creationId xmlns:a16="http://schemas.microsoft.com/office/drawing/2014/main" id="{D29C6448-F811-4D18-9BB7-12A58A6A6815}"/>
+          <p:cNvPr id="114" name="Rectangle 113">
+            <a:extLst>
+              <a:ext uri="{FF2B5EF4-FFF2-40B4-BE49-F238E27FC236}">
+                <a16:creationId xmlns:a16="http://schemas.microsoft.com/office/drawing/2014/main" id="{AC895CFB-47B5-41E4-AB98-3EE4F9382CED}"/>
               </a:ext>
             </a:extLst>
           </p:cNvPr>
@@ -8600,7 +8548,7 @@
         </p:nvSpPr>
         <p:spPr>
           <a:xfrm>
-            <a:off x="10153562" y="578963"/>
+            <a:off x="10161207" y="4881652"/>
             <a:ext cx="224063" cy="253624"/>
           </a:xfrm>
           <a:prstGeom prst="rect">
@@ -8640,10 +8588,10 @@
       </p:sp>
       <p:sp>
         <p:nvSpPr>
-          <p:cNvPr id="114" name="Rectangle 113">
-            <a:extLst>
-              <a:ext uri="{FF2B5EF4-FFF2-40B4-BE49-F238E27FC236}">
-                <a16:creationId xmlns:a16="http://schemas.microsoft.com/office/drawing/2014/main" id="{AC895CFB-47B5-41E4-AB98-3EE4F9382CED}"/>
+          <p:cNvPr id="120" name="Rectangle 119">
+            <a:extLst>
+              <a:ext uri="{FF2B5EF4-FFF2-40B4-BE49-F238E27FC236}">
+                <a16:creationId xmlns:a16="http://schemas.microsoft.com/office/drawing/2014/main" id="{1D05474E-44BA-44CC-A299-3858E7901E49}"/>
               </a:ext>
             </a:extLst>
           </p:cNvPr>
@@ -8652,7 +8600,7 @@
         </p:nvSpPr>
         <p:spPr>
           <a:xfrm>
-            <a:off x="10161207" y="4881652"/>
+            <a:off x="5396682" y="2036864"/>
             <a:ext cx="224063" cy="253624"/>
           </a:xfrm>
           <a:prstGeom prst="rect">
@@ -8692,10 +8640,10 @@
       </p:sp>
       <p:sp>
         <p:nvSpPr>
-          <p:cNvPr id="117" name="Rectangle 116">
-            <a:extLst>
-              <a:ext uri="{FF2B5EF4-FFF2-40B4-BE49-F238E27FC236}">
-                <a16:creationId xmlns:a16="http://schemas.microsoft.com/office/drawing/2014/main" id="{533C8EB4-1DBA-49FA-A6EA-B6D534355338}"/>
+          <p:cNvPr id="122" name="Rectangle 121">
+            <a:extLst>
+              <a:ext uri="{FF2B5EF4-FFF2-40B4-BE49-F238E27FC236}">
+                <a16:creationId xmlns:a16="http://schemas.microsoft.com/office/drawing/2014/main" id="{1F96FDA0-2C6C-4796-823F-C24B409ED876}"/>
               </a:ext>
             </a:extLst>
           </p:cNvPr>
@@ -8704,27 +8652,24 @@
         </p:nvSpPr>
         <p:spPr>
           <a:xfrm>
-            <a:off x="9395913" y="3834924"/>
-            <a:ext cx="224063" cy="253624"/>
-          </a:xfrm>
-          <a:prstGeom prst="rect">
-            <a:avLst/>
-          </a:prstGeom>
-          <a:solidFill>
-            <a:schemeClr val="accent6"/>
-          </a:solidFill>
+            <a:off x="9543265" y="4895435"/>
+            <a:ext cx="360000" cy="360000"/>
+          </a:xfrm>
+          <a:prstGeom prst="rect">
+            <a:avLst/>
+          </a:prstGeom>
         </p:spPr>
         <p:style>
           <a:lnRef idx="2">
-            <a:schemeClr val="accent2">
+            <a:schemeClr val="accent1">
               <a:shade val="50000"/>
             </a:schemeClr>
           </a:lnRef>
           <a:fillRef idx="1">
-            <a:schemeClr val="accent2"/>
-          </a:fillRef>
-          <a:effectRef idx="0">
-            <a:schemeClr val="accent2"/>
+            <a:schemeClr val="accent1"/>
+          </a:fillRef>
+          <a:effectRef idx="0">
+            <a:schemeClr val="accent1"/>
           </a:effectRef>
           <a:fontRef idx="minor">
             <a:schemeClr val="lt1"/>
@@ -8737,215 +8682,7 @@
             <a:pPr algn="ctr"/>
             <a:r>
               <a:rPr lang="en-IE" dirty="0"/>
-              <a:t>C</a:t>
-            </a:r>
-          </a:p>
-        </p:txBody>
-      </p:sp>
-      <p:sp>
-        <p:nvSpPr>
-          <p:cNvPr id="118" name="Rectangle 117">
-            <a:extLst>
-              <a:ext uri="{FF2B5EF4-FFF2-40B4-BE49-F238E27FC236}">
-                <a16:creationId xmlns:a16="http://schemas.microsoft.com/office/drawing/2014/main" id="{1E2F9CD1-BC1A-4913-BFC8-D0892623DA49}"/>
-              </a:ext>
-            </a:extLst>
-          </p:cNvPr>
-          <p:cNvSpPr/>
-          <p:nvPr/>
-        </p:nvSpPr>
-        <p:spPr>
-          <a:xfrm>
-            <a:off x="9379819" y="604594"/>
-            <a:ext cx="224063" cy="253624"/>
-          </a:xfrm>
-          <a:prstGeom prst="rect">
-            <a:avLst/>
-          </a:prstGeom>
-          <a:solidFill>
-            <a:schemeClr val="accent6"/>
-          </a:solidFill>
-        </p:spPr>
-        <p:style>
-          <a:lnRef idx="2">
-            <a:schemeClr val="accent2">
-              <a:shade val="50000"/>
-            </a:schemeClr>
-          </a:lnRef>
-          <a:fillRef idx="1">
-            <a:schemeClr val="accent2"/>
-          </a:fillRef>
-          <a:effectRef idx="0">
-            <a:schemeClr val="accent2"/>
-          </a:effectRef>
-          <a:fontRef idx="minor">
-            <a:schemeClr val="lt1"/>
-          </a:fontRef>
-        </p:style>
-        <p:txBody>
-          <a:bodyPr rtlCol="0" anchor="ctr"/>
-          <a:lstStyle/>
-          <a:p>
-            <a:pPr algn="ctr"/>
-            <a:r>
-              <a:rPr lang="en-IE" dirty="0"/>
-              <a:t>C</a:t>
-            </a:r>
-          </a:p>
-        </p:txBody>
-      </p:sp>
-      <p:sp>
-        <p:nvSpPr>
-          <p:cNvPr id="119" name="Rectangle 118">
-            <a:extLst>
-              <a:ext uri="{FF2B5EF4-FFF2-40B4-BE49-F238E27FC236}">
-                <a16:creationId xmlns:a16="http://schemas.microsoft.com/office/drawing/2014/main" id="{DA34DF50-1EC7-4E77-934C-4CF6221B0076}"/>
-              </a:ext>
-            </a:extLst>
-          </p:cNvPr>
-          <p:cNvSpPr/>
-          <p:nvPr/>
-        </p:nvSpPr>
-        <p:spPr>
-          <a:xfrm>
-            <a:off x="10170019" y="4202413"/>
-            <a:ext cx="224063" cy="253624"/>
-          </a:xfrm>
-          <a:prstGeom prst="rect">
-            <a:avLst/>
-          </a:prstGeom>
-          <a:solidFill>
-            <a:schemeClr val="accent6"/>
-          </a:solidFill>
-        </p:spPr>
-        <p:style>
-          <a:lnRef idx="2">
-            <a:schemeClr val="accent2">
-              <a:shade val="50000"/>
-            </a:schemeClr>
-          </a:lnRef>
-          <a:fillRef idx="1">
-            <a:schemeClr val="accent2"/>
-          </a:fillRef>
-          <a:effectRef idx="0">
-            <a:schemeClr val="accent2"/>
-          </a:effectRef>
-          <a:fontRef idx="minor">
-            <a:schemeClr val="lt1"/>
-          </a:fontRef>
-        </p:style>
-        <p:txBody>
-          <a:bodyPr rtlCol="0" anchor="ctr"/>
-          <a:lstStyle/>
-          <a:p>
-            <a:pPr algn="ctr"/>
-            <a:r>
-              <a:rPr lang="en-IE" dirty="0"/>
-              <a:t>B</a:t>
-            </a:r>
-          </a:p>
-        </p:txBody>
-      </p:sp>
-      <p:sp>
-        <p:nvSpPr>
-          <p:cNvPr id="120" name="Rectangle 119">
-            <a:extLst>
-              <a:ext uri="{FF2B5EF4-FFF2-40B4-BE49-F238E27FC236}">
-                <a16:creationId xmlns:a16="http://schemas.microsoft.com/office/drawing/2014/main" id="{1D05474E-44BA-44CC-A299-3858E7901E49}"/>
-              </a:ext>
-            </a:extLst>
-          </p:cNvPr>
-          <p:cNvSpPr/>
-          <p:nvPr/>
-        </p:nvSpPr>
-        <p:spPr>
-          <a:xfrm>
-            <a:off x="5396682" y="2036864"/>
-            <a:ext cx="224063" cy="253624"/>
-          </a:xfrm>
-          <a:prstGeom prst="rect">
-            <a:avLst/>
-          </a:prstGeom>
-          <a:solidFill>
-            <a:schemeClr val="accent6"/>
-          </a:solidFill>
-        </p:spPr>
-        <p:style>
-          <a:lnRef idx="2">
-            <a:schemeClr val="accent2">
-              <a:shade val="50000"/>
-            </a:schemeClr>
-          </a:lnRef>
-          <a:fillRef idx="1">
-            <a:schemeClr val="accent2"/>
-          </a:fillRef>
-          <a:effectRef idx="0">
-            <a:schemeClr val="accent2"/>
-          </a:effectRef>
-          <a:fontRef idx="minor">
-            <a:schemeClr val="lt1"/>
-          </a:fontRef>
-        </p:style>
-        <p:txBody>
-          <a:bodyPr rtlCol="0" anchor="ctr"/>
-          <a:lstStyle/>
-          <a:p>
-            <a:pPr algn="ctr"/>
-            <a:r>
-              <a:rPr lang="en-IE" dirty="0"/>
-              <a:t>B</a:t>
-            </a:r>
-          </a:p>
-        </p:txBody>
-      </p:sp>
-      <p:sp>
-        <p:nvSpPr>
-          <p:cNvPr id="121" name="Rectangle 120">
-            <a:extLst>
-              <a:ext uri="{FF2B5EF4-FFF2-40B4-BE49-F238E27FC236}">
-                <a16:creationId xmlns:a16="http://schemas.microsoft.com/office/drawing/2014/main" id="{CE880560-B055-4B3B-980B-3EFE2E10CF3C}"/>
-              </a:ext>
-            </a:extLst>
-          </p:cNvPr>
-          <p:cNvSpPr/>
-          <p:nvPr/>
-        </p:nvSpPr>
-        <p:spPr>
-          <a:xfrm>
-            <a:off x="10156858" y="985117"/>
-            <a:ext cx="224063" cy="253624"/>
-          </a:xfrm>
-          <a:prstGeom prst="rect">
-            <a:avLst/>
-          </a:prstGeom>
-          <a:solidFill>
-            <a:schemeClr val="accent6"/>
-          </a:solidFill>
-        </p:spPr>
-        <p:style>
-          <a:lnRef idx="2">
-            <a:schemeClr val="accent2">
-              <a:shade val="50000"/>
-            </a:schemeClr>
-          </a:lnRef>
-          <a:fillRef idx="1">
-            <a:schemeClr val="accent2"/>
-          </a:fillRef>
-          <a:effectRef idx="0">
-            <a:schemeClr val="accent2"/>
-          </a:effectRef>
-          <a:fontRef idx="minor">
-            <a:schemeClr val="lt1"/>
-          </a:fontRef>
-        </p:style>
-        <p:txBody>
-          <a:bodyPr rtlCol="0" anchor="ctr"/>
-          <a:lstStyle/>
-          <a:p>
-            <a:pPr algn="ctr"/>
-            <a:r>
-              <a:rPr lang="en-IE" dirty="0"/>
-              <a:t>D</a:t>
+              <a:t>A</a:t>
             </a:r>
           </a:p>
         </p:txBody>
